--- a/slides/Woo_GBE3037_L11.pptx
+++ b/slides/Woo_GBE3037_L11.pptx
@@ -206,7 +206,7 @@
           <a:p>
             <a:fld id="{65F32F1C-A509-984F-9E5B-E228248344CD}" type="datetimeFigureOut">
               <a:rPr kumimoji="1" lang="ko-KR" altLang="en-US" smtClean="0"/>
-              <a:t>2019. 3. 20.</a:t>
+              <a:t>2019. 4. 3.</a:t>
             </a:fld>
             <a:endParaRPr kumimoji="1" lang="ko-KR" altLang="en-US"/>
           </a:p>
@@ -557,6 +557,90 @@
 </p:notes>
 </file>
 
+<file path=ppt/notesSlides/notesSlide10.xml><?xml version="1.0" encoding="utf-8"?>
+<p:notes xmlns:a="http://schemas.openxmlformats.org/drawingml/2006/main" xmlns:r="http://schemas.openxmlformats.org/officeDocument/2006/relationships" xmlns:p="http://schemas.openxmlformats.org/presentationml/2006/main">
+  <p:cSld>
+    <p:spTree>
+      <p:nvGrpSpPr>
+        <p:cNvPr id="1" name=""/>
+        <p:cNvGrpSpPr/>
+        <p:nvPr/>
+      </p:nvGrpSpPr>
+      <p:grpSpPr>
+        <a:xfrm>
+          <a:off x="0" y="0"/>
+          <a:ext cx="0" cy="0"/>
+          <a:chOff x="0" y="0"/>
+          <a:chExt cx="0" cy="0"/>
+        </a:xfrm>
+      </p:grpSpPr>
+      <p:sp>
+        <p:nvSpPr>
+          <p:cNvPr id="2" name="슬라이드 이미지 개체 틀 1"/>
+          <p:cNvSpPr>
+            <a:spLocks noGrp="1" noRot="1" noChangeAspect="1"/>
+          </p:cNvSpPr>
+          <p:nvPr>
+            <p:ph type="sldImg"/>
+          </p:nvPr>
+        </p:nvSpPr>
+        <p:spPr/>
+      </p:sp>
+      <p:sp>
+        <p:nvSpPr>
+          <p:cNvPr id="3" name="슬라이드 노트 개체 틀 2"/>
+          <p:cNvSpPr>
+            <a:spLocks noGrp="1"/>
+          </p:cNvSpPr>
+          <p:nvPr>
+            <p:ph type="body" idx="1"/>
+          </p:nvPr>
+        </p:nvSpPr>
+        <p:spPr/>
+        <p:txBody>
+          <a:bodyPr/>
+          <a:lstStyle/>
+          <a:p>
+            <a:endParaRPr kumimoji="1" lang="ko-KR" altLang="en-US"/>
+          </a:p>
+        </p:txBody>
+      </p:sp>
+      <p:sp>
+        <p:nvSpPr>
+          <p:cNvPr id="4" name="슬라이드 번호 개체 틀 3"/>
+          <p:cNvSpPr>
+            <a:spLocks noGrp="1"/>
+          </p:cNvSpPr>
+          <p:nvPr>
+            <p:ph type="sldNum" sz="quarter" idx="5"/>
+          </p:nvPr>
+        </p:nvSpPr>
+        <p:spPr/>
+        <p:txBody>
+          <a:bodyPr/>
+          <a:lstStyle/>
+          <a:p>
+            <a:fld id="{0783281F-892B-614E-B792-481EB2F7C5B7}" type="slidenum">
+              <a:rPr kumimoji="1" lang="ko-KR" altLang="en-US" smtClean="0"/>
+              <a:t>10</a:t>
+            </a:fld>
+            <a:endParaRPr kumimoji="1" lang="ko-KR" altLang="en-US"/>
+          </a:p>
+        </p:txBody>
+      </p:sp>
+    </p:spTree>
+    <p:extLst>
+      <p:ext uri="{BB962C8B-B14F-4D97-AF65-F5344CB8AC3E}">
+        <p14:creationId xmlns:p14="http://schemas.microsoft.com/office/powerpoint/2010/main" val="3859705525"/>
+      </p:ext>
+    </p:extLst>
+  </p:cSld>
+  <p:clrMapOvr>
+    <a:masterClrMapping/>
+  </p:clrMapOvr>
+</p:notes>
+</file>
+
 <file path=ppt/notesSlides/notesSlide2.xml><?xml version="1.0" encoding="utf-8"?>
 <p:notes xmlns:a="http://schemas.openxmlformats.org/drawingml/2006/main" xmlns:r="http://schemas.openxmlformats.org/officeDocument/2006/relationships" xmlns:p="http://schemas.openxmlformats.org/presentationml/2006/main">
   <p:cSld>
@@ -893,6 +977,342 @@
 </p:notes>
 </file>
 
+<file path=ppt/notesSlides/notesSlide6.xml><?xml version="1.0" encoding="utf-8"?>
+<p:notes xmlns:a="http://schemas.openxmlformats.org/drawingml/2006/main" xmlns:r="http://schemas.openxmlformats.org/officeDocument/2006/relationships" xmlns:p="http://schemas.openxmlformats.org/presentationml/2006/main">
+  <p:cSld>
+    <p:spTree>
+      <p:nvGrpSpPr>
+        <p:cNvPr id="1" name=""/>
+        <p:cNvGrpSpPr/>
+        <p:nvPr/>
+      </p:nvGrpSpPr>
+      <p:grpSpPr>
+        <a:xfrm>
+          <a:off x="0" y="0"/>
+          <a:ext cx="0" cy="0"/>
+          <a:chOff x="0" y="0"/>
+          <a:chExt cx="0" cy="0"/>
+        </a:xfrm>
+      </p:grpSpPr>
+      <p:sp>
+        <p:nvSpPr>
+          <p:cNvPr id="2" name="슬라이드 이미지 개체 틀 1"/>
+          <p:cNvSpPr>
+            <a:spLocks noGrp="1" noRot="1" noChangeAspect="1"/>
+          </p:cNvSpPr>
+          <p:nvPr>
+            <p:ph type="sldImg"/>
+          </p:nvPr>
+        </p:nvSpPr>
+        <p:spPr/>
+      </p:sp>
+      <p:sp>
+        <p:nvSpPr>
+          <p:cNvPr id="3" name="슬라이드 노트 개체 틀 2"/>
+          <p:cNvSpPr>
+            <a:spLocks noGrp="1"/>
+          </p:cNvSpPr>
+          <p:nvPr>
+            <p:ph type="body" idx="1"/>
+          </p:nvPr>
+        </p:nvSpPr>
+        <p:spPr/>
+        <p:txBody>
+          <a:bodyPr/>
+          <a:lstStyle/>
+          <a:p>
+            <a:endParaRPr kumimoji="1" lang="ko-KR" altLang="en-US"/>
+          </a:p>
+        </p:txBody>
+      </p:sp>
+      <p:sp>
+        <p:nvSpPr>
+          <p:cNvPr id="4" name="슬라이드 번호 개체 틀 3"/>
+          <p:cNvSpPr>
+            <a:spLocks noGrp="1"/>
+          </p:cNvSpPr>
+          <p:nvPr>
+            <p:ph type="sldNum" sz="quarter" idx="5"/>
+          </p:nvPr>
+        </p:nvSpPr>
+        <p:spPr/>
+        <p:txBody>
+          <a:bodyPr/>
+          <a:lstStyle/>
+          <a:p>
+            <a:fld id="{0783281F-892B-614E-B792-481EB2F7C5B7}" type="slidenum">
+              <a:rPr kumimoji="1" lang="ko-KR" altLang="en-US" smtClean="0"/>
+              <a:t>6</a:t>
+            </a:fld>
+            <a:endParaRPr kumimoji="1" lang="ko-KR" altLang="en-US"/>
+          </a:p>
+        </p:txBody>
+      </p:sp>
+    </p:spTree>
+    <p:extLst>
+      <p:ext uri="{BB962C8B-B14F-4D97-AF65-F5344CB8AC3E}">
+        <p14:creationId xmlns:p14="http://schemas.microsoft.com/office/powerpoint/2010/main" val="4047496022"/>
+      </p:ext>
+    </p:extLst>
+  </p:cSld>
+  <p:clrMapOvr>
+    <a:masterClrMapping/>
+  </p:clrMapOvr>
+</p:notes>
+</file>
+
+<file path=ppt/notesSlides/notesSlide7.xml><?xml version="1.0" encoding="utf-8"?>
+<p:notes xmlns:a="http://schemas.openxmlformats.org/drawingml/2006/main" xmlns:r="http://schemas.openxmlformats.org/officeDocument/2006/relationships" xmlns:p="http://schemas.openxmlformats.org/presentationml/2006/main">
+  <p:cSld>
+    <p:spTree>
+      <p:nvGrpSpPr>
+        <p:cNvPr id="1" name=""/>
+        <p:cNvGrpSpPr/>
+        <p:nvPr/>
+      </p:nvGrpSpPr>
+      <p:grpSpPr>
+        <a:xfrm>
+          <a:off x="0" y="0"/>
+          <a:ext cx="0" cy="0"/>
+          <a:chOff x="0" y="0"/>
+          <a:chExt cx="0" cy="0"/>
+        </a:xfrm>
+      </p:grpSpPr>
+      <p:sp>
+        <p:nvSpPr>
+          <p:cNvPr id="2" name="슬라이드 이미지 개체 틀 1"/>
+          <p:cNvSpPr>
+            <a:spLocks noGrp="1" noRot="1" noChangeAspect="1"/>
+          </p:cNvSpPr>
+          <p:nvPr>
+            <p:ph type="sldImg"/>
+          </p:nvPr>
+        </p:nvSpPr>
+        <p:spPr/>
+      </p:sp>
+      <p:sp>
+        <p:nvSpPr>
+          <p:cNvPr id="3" name="슬라이드 노트 개체 틀 2"/>
+          <p:cNvSpPr>
+            <a:spLocks noGrp="1"/>
+          </p:cNvSpPr>
+          <p:nvPr>
+            <p:ph type="body" idx="1"/>
+          </p:nvPr>
+        </p:nvSpPr>
+        <p:spPr/>
+        <p:txBody>
+          <a:bodyPr/>
+          <a:lstStyle/>
+          <a:p>
+            <a:endParaRPr kumimoji="1" lang="ko-KR" altLang="en-US"/>
+          </a:p>
+        </p:txBody>
+      </p:sp>
+      <p:sp>
+        <p:nvSpPr>
+          <p:cNvPr id="4" name="슬라이드 번호 개체 틀 3"/>
+          <p:cNvSpPr>
+            <a:spLocks noGrp="1"/>
+          </p:cNvSpPr>
+          <p:nvPr>
+            <p:ph type="sldNum" sz="quarter" idx="5"/>
+          </p:nvPr>
+        </p:nvSpPr>
+        <p:spPr/>
+        <p:txBody>
+          <a:bodyPr/>
+          <a:lstStyle/>
+          <a:p>
+            <a:fld id="{0783281F-892B-614E-B792-481EB2F7C5B7}" type="slidenum">
+              <a:rPr kumimoji="1" lang="ko-KR" altLang="en-US" smtClean="0"/>
+              <a:t>7</a:t>
+            </a:fld>
+            <a:endParaRPr kumimoji="1" lang="ko-KR" altLang="en-US"/>
+          </a:p>
+        </p:txBody>
+      </p:sp>
+    </p:spTree>
+    <p:extLst>
+      <p:ext uri="{BB962C8B-B14F-4D97-AF65-F5344CB8AC3E}">
+        <p14:creationId xmlns:p14="http://schemas.microsoft.com/office/powerpoint/2010/main" val="1342546012"/>
+      </p:ext>
+    </p:extLst>
+  </p:cSld>
+  <p:clrMapOvr>
+    <a:masterClrMapping/>
+  </p:clrMapOvr>
+</p:notes>
+</file>
+
+<file path=ppt/notesSlides/notesSlide8.xml><?xml version="1.0" encoding="utf-8"?>
+<p:notes xmlns:a="http://schemas.openxmlformats.org/drawingml/2006/main" xmlns:r="http://schemas.openxmlformats.org/officeDocument/2006/relationships" xmlns:p="http://schemas.openxmlformats.org/presentationml/2006/main">
+  <p:cSld>
+    <p:spTree>
+      <p:nvGrpSpPr>
+        <p:cNvPr id="1" name=""/>
+        <p:cNvGrpSpPr/>
+        <p:nvPr/>
+      </p:nvGrpSpPr>
+      <p:grpSpPr>
+        <a:xfrm>
+          <a:off x="0" y="0"/>
+          <a:ext cx="0" cy="0"/>
+          <a:chOff x="0" y="0"/>
+          <a:chExt cx="0" cy="0"/>
+        </a:xfrm>
+      </p:grpSpPr>
+      <p:sp>
+        <p:nvSpPr>
+          <p:cNvPr id="2" name="슬라이드 이미지 개체 틀 1"/>
+          <p:cNvSpPr>
+            <a:spLocks noGrp="1" noRot="1" noChangeAspect="1"/>
+          </p:cNvSpPr>
+          <p:nvPr>
+            <p:ph type="sldImg"/>
+          </p:nvPr>
+        </p:nvSpPr>
+        <p:spPr/>
+      </p:sp>
+      <p:sp>
+        <p:nvSpPr>
+          <p:cNvPr id="3" name="슬라이드 노트 개체 틀 2"/>
+          <p:cNvSpPr>
+            <a:spLocks noGrp="1"/>
+          </p:cNvSpPr>
+          <p:nvPr>
+            <p:ph type="body" idx="1"/>
+          </p:nvPr>
+        </p:nvSpPr>
+        <p:spPr/>
+        <p:txBody>
+          <a:bodyPr/>
+          <a:lstStyle/>
+          <a:p>
+            <a:endParaRPr kumimoji="1" lang="ko-KR" altLang="en-US"/>
+          </a:p>
+        </p:txBody>
+      </p:sp>
+      <p:sp>
+        <p:nvSpPr>
+          <p:cNvPr id="4" name="슬라이드 번호 개체 틀 3"/>
+          <p:cNvSpPr>
+            <a:spLocks noGrp="1"/>
+          </p:cNvSpPr>
+          <p:nvPr>
+            <p:ph type="sldNum" sz="quarter" idx="5"/>
+          </p:nvPr>
+        </p:nvSpPr>
+        <p:spPr/>
+        <p:txBody>
+          <a:bodyPr/>
+          <a:lstStyle/>
+          <a:p>
+            <a:fld id="{0783281F-892B-614E-B792-481EB2F7C5B7}" type="slidenum">
+              <a:rPr kumimoji="1" lang="ko-KR" altLang="en-US" smtClean="0"/>
+              <a:t>8</a:t>
+            </a:fld>
+            <a:endParaRPr kumimoji="1" lang="ko-KR" altLang="en-US"/>
+          </a:p>
+        </p:txBody>
+      </p:sp>
+    </p:spTree>
+    <p:extLst>
+      <p:ext uri="{BB962C8B-B14F-4D97-AF65-F5344CB8AC3E}">
+        <p14:creationId xmlns:p14="http://schemas.microsoft.com/office/powerpoint/2010/main" val="2907929553"/>
+      </p:ext>
+    </p:extLst>
+  </p:cSld>
+  <p:clrMapOvr>
+    <a:masterClrMapping/>
+  </p:clrMapOvr>
+</p:notes>
+</file>
+
+<file path=ppt/notesSlides/notesSlide9.xml><?xml version="1.0" encoding="utf-8"?>
+<p:notes xmlns:a="http://schemas.openxmlformats.org/drawingml/2006/main" xmlns:r="http://schemas.openxmlformats.org/officeDocument/2006/relationships" xmlns:p="http://schemas.openxmlformats.org/presentationml/2006/main">
+  <p:cSld>
+    <p:spTree>
+      <p:nvGrpSpPr>
+        <p:cNvPr id="1" name=""/>
+        <p:cNvGrpSpPr/>
+        <p:nvPr/>
+      </p:nvGrpSpPr>
+      <p:grpSpPr>
+        <a:xfrm>
+          <a:off x="0" y="0"/>
+          <a:ext cx="0" cy="0"/>
+          <a:chOff x="0" y="0"/>
+          <a:chExt cx="0" cy="0"/>
+        </a:xfrm>
+      </p:grpSpPr>
+      <p:sp>
+        <p:nvSpPr>
+          <p:cNvPr id="2" name="슬라이드 이미지 개체 틀 1"/>
+          <p:cNvSpPr>
+            <a:spLocks noGrp="1" noRot="1" noChangeAspect="1"/>
+          </p:cNvSpPr>
+          <p:nvPr>
+            <p:ph type="sldImg"/>
+          </p:nvPr>
+        </p:nvSpPr>
+        <p:spPr/>
+      </p:sp>
+      <p:sp>
+        <p:nvSpPr>
+          <p:cNvPr id="3" name="슬라이드 노트 개체 틀 2"/>
+          <p:cNvSpPr>
+            <a:spLocks noGrp="1"/>
+          </p:cNvSpPr>
+          <p:nvPr>
+            <p:ph type="body" idx="1"/>
+          </p:nvPr>
+        </p:nvSpPr>
+        <p:spPr/>
+        <p:txBody>
+          <a:bodyPr/>
+          <a:lstStyle/>
+          <a:p>
+            <a:endParaRPr kumimoji="1" lang="ko-KR" altLang="en-US"/>
+          </a:p>
+        </p:txBody>
+      </p:sp>
+      <p:sp>
+        <p:nvSpPr>
+          <p:cNvPr id="4" name="슬라이드 번호 개체 틀 3"/>
+          <p:cNvSpPr>
+            <a:spLocks noGrp="1"/>
+          </p:cNvSpPr>
+          <p:nvPr>
+            <p:ph type="sldNum" sz="quarter" idx="5"/>
+          </p:nvPr>
+        </p:nvSpPr>
+        <p:spPr/>
+        <p:txBody>
+          <a:bodyPr/>
+          <a:lstStyle/>
+          <a:p>
+            <a:fld id="{0783281F-892B-614E-B792-481EB2F7C5B7}" type="slidenum">
+              <a:rPr kumimoji="1" lang="ko-KR" altLang="en-US" smtClean="0"/>
+              <a:t>9</a:t>
+            </a:fld>
+            <a:endParaRPr kumimoji="1" lang="ko-KR" altLang="en-US"/>
+          </a:p>
+        </p:txBody>
+      </p:sp>
+    </p:spTree>
+    <p:extLst>
+      <p:ext uri="{BB962C8B-B14F-4D97-AF65-F5344CB8AC3E}">
+        <p14:creationId xmlns:p14="http://schemas.microsoft.com/office/powerpoint/2010/main" val="1100803770"/>
+      </p:ext>
+    </p:extLst>
+  </p:cSld>
+  <p:clrMapOvr>
+    <a:masterClrMapping/>
+  </p:clrMapOvr>
+</p:notes>
+</file>
+
 <file path=ppt/slideLayouts/slideLayout1.xml><?xml version="1.0" encoding="utf-8"?>
 <p:sldLayout xmlns:a="http://schemas.openxmlformats.org/drawingml/2006/main" xmlns:r="http://schemas.openxmlformats.org/officeDocument/2006/relationships" xmlns:p="http://schemas.openxmlformats.org/presentationml/2006/main" type="title" preserve="1">
   <p:cSld name="제목 슬라이드">
@@ -1022,7 +1442,7 @@
           <a:p>
             <a:fld id="{D1CBEE32-551C-D044-9ECF-F871403689A5}" type="datetimeFigureOut">
               <a:rPr kumimoji="1" lang="ko-KR" altLang="en-US" smtClean="0"/>
-              <a:t>2019. 3. 20.</a:t>
+              <a:t>2019. 4. 3.</a:t>
             </a:fld>
             <a:endParaRPr kumimoji="1" lang="ko-KR" altLang="en-US"/>
           </a:p>
@@ -1190,7 +1610,7 @@
           <a:p>
             <a:fld id="{D1CBEE32-551C-D044-9ECF-F871403689A5}" type="datetimeFigureOut">
               <a:rPr kumimoji="1" lang="ko-KR" altLang="en-US" smtClean="0"/>
-              <a:t>2019. 3. 20.</a:t>
+              <a:t>2019. 4. 3.</a:t>
             </a:fld>
             <a:endParaRPr kumimoji="1" lang="ko-KR" altLang="en-US"/>
           </a:p>
@@ -1368,7 +1788,7 @@
           <a:p>
             <a:fld id="{D1CBEE32-551C-D044-9ECF-F871403689A5}" type="datetimeFigureOut">
               <a:rPr kumimoji="1" lang="ko-KR" altLang="en-US" smtClean="0"/>
-              <a:t>2019. 3. 20.</a:t>
+              <a:t>2019. 4. 3.</a:t>
             </a:fld>
             <a:endParaRPr kumimoji="1" lang="ko-KR" altLang="en-US"/>
           </a:p>
@@ -1536,7 +1956,7 @@
           <a:p>
             <a:fld id="{D1CBEE32-551C-D044-9ECF-F871403689A5}" type="datetimeFigureOut">
               <a:rPr kumimoji="1" lang="ko-KR" altLang="en-US" smtClean="0"/>
-              <a:t>2019. 3. 20.</a:t>
+              <a:t>2019. 4. 3.</a:t>
             </a:fld>
             <a:endParaRPr kumimoji="1" lang="ko-KR" altLang="en-US"/>
           </a:p>
@@ -1781,7 +2201,7 @@
           <a:p>
             <a:fld id="{D1CBEE32-551C-D044-9ECF-F871403689A5}" type="datetimeFigureOut">
               <a:rPr kumimoji="1" lang="ko-KR" altLang="en-US" smtClean="0"/>
-              <a:t>2019. 3. 20.</a:t>
+              <a:t>2019. 4. 3.</a:t>
             </a:fld>
             <a:endParaRPr kumimoji="1" lang="ko-KR" altLang="en-US"/>
           </a:p>
@@ -2010,7 +2430,7 @@
           <a:p>
             <a:fld id="{D1CBEE32-551C-D044-9ECF-F871403689A5}" type="datetimeFigureOut">
               <a:rPr kumimoji="1" lang="ko-KR" altLang="en-US" smtClean="0"/>
-              <a:t>2019. 3. 20.</a:t>
+              <a:t>2019. 4. 3.</a:t>
             </a:fld>
             <a:endParaRPr kumimoji="1" lang="ko-KR" altLang="en-US"/>
           </a:p>
@@ -2374,7 +2794,7 @@
           <a:p>
             <a:fld id="{D1CBEE32-551C-D044-9ECF-F871403689A5}" type="datetimeFigureOut">
               <a:rPr kumimoji="1" lang="ko-KR" altLang="en-US" smtClean="0"/>
-              <a:t>2019. 3. 20.</a:t>
+              <a:t>2019. 4. 3.</a:t>
             </a:fld>
             <a:endParaRPr kumimoji="1" lang="ko-KR" altLang="en-US"/>
           </a:p>
@@ -2491,7 +2911,7 @@
           <a:p>
             <a:fld id="{D1CBEE32-551C-D044-9ECF-F871403689A5}" type="datetimeFigureOut">
               <a:rPr kumimoji="1" lang="ko-KR" altLang="en-US" smtClean="0"/>
-              <a:t>2019. 3. 20.</a:t>
+              <a:t>2019. 4. 3.</a:t>
             </a:fld>
             <a:endParaRPr kumimoji="1" lang="ko-KR" altLang="en-US"/>
           </a:p>
@@ -2586,7 +3006,7 @@
           <a:p>
             <a:fld id="{D1CBEE32-551C-D044-9ECF-F871403689A5}" type="datetimeFigureOut">
               <a:rPr kumimoji="1" lang="ko-KR" altLang="en-US" smtClean="0"/>
-              <a:t>2019. 3. 20.</a:t>
+              <a:t>2019. 4. 3.</a:t>
             </a:fld>
             <a:endParaRPr kumimoji="1" lang="ko-KR" altLang="en-US"/>
           </a:p>
@@ -2861,7 +3281,7 @@
           <a:p>
             <a:fld id="{D1CBEE32-551C-D044-9ECF-F871403689A5}" type="datetimeFigureOut">
               <a:rPr kumimoji="1" lang="ko-KR" altLang="en-US" smtClean="0"/>
-              <a:t>2019. 3. 20.</a:t>
+              <a:t>2019. 4. 3.</a:t>
             </a:fld>
             <a:endParaRPr kumimoji="1" lang="ko-KR" altLang="en-US"/>
           </a:p>
@@ -3113,7 +3533,7 @@
           <a:p>
             <a:fld id="{D1CBEE32-551C-D044-9ECF-F871403689A5}" type="datetimeFigureOut">
               <a:rPr kumimoji="1" lang="ko-KR" altLang="en-US" smtClean="0"/>
-              <a:t>2019. 3. 20.</a:t>
+              <a:t>2019. 4. 3.</a:t>
             </a:fld>
             <a:endParaRPr kumimoji="1" lang="ko-KR" altLang="en-US"/>
           </a:p>
@@ -3324,7 +3744,7 @@
           <a:p>
             <a:fld id="{D1CBEE32-551C-D044-9ECF-F871403689A5}" type="datetimeFigureOut">
               <a:rPr kumimoji="1" lang="ko-KR" altLang="en-US" smtClean="0"/>
-              <a:t>2019. 3. 20.</a:t>
+              <a:t>2019. 4. 3.</a:t>
             </a:fld>
             <a:endParaRPr kumimoji="1" lang="ko-KR" altLang="en-US"/>
           </a:p>
@@ -4112,7 +4532,7 @@
             <p:nvPr/>
           </p:nvPicPr>
           <p:blipFill>
-            <a:blip r:embed="rId2">
+            <a:blip r:embed="rId3">
               <a:extLst>
                 <a:ext uri="{28A0092B-C50C-407E-A947-70E740481C1C}">
                   <a14:useLocalDpi xmlns:a14="http://schemas.microsoft.com/office/drawing/2010/main" val="0"/>
@@ -4142,7 +4562,7 @@
             <p:nvPr/>
           </p:nvPicPr>
           <p:blipFill>
-            <a:blip r:embed="rId3"/>
+            <a:blip r:embed="rId4"/>
             <a:stretch>
               <a:fillRect/>
             </a:stretch>
@@ -4166,7 +4586,7 @@
             <p:nvPr/>
           </p:nvPicPr>
           <p:blipFill>
-            <a:blip r:embed="rId4">
+            <a:blip r:embed="rId5">
               <a:extLst>
                 <a:ext uri="{28A0092B-C50C-407E-A947-70E740481C1C}">
                   <a14:useLocalDpi xmlns:a14="http://schemas.microsoft.com/office/drawing/2010/main" val="0"/>
@@ -4275,7 +4695,7 @@
                 <a:latin typeface="Seravek Light" charset="0"/>
                 <a:ea typeface="Seravek Light" charset="0"/>
                 <a:cs typeface="Seravek Light" charset="0"/>
-                <a:hlinkClick r:id="rId5"/>
+                <a:hlinkClick r:id="rId6"/>
               </a:rPr>
               <a:t>http://cocoanlab.github.io</a:t>
             </a:r>
@@ -5596,7 +6016,7 @@
                 <a:avLst/>
               </a:prstGeom>
               <a:blipFill rotWithShape="0">
-                <a:blip r:embed="rId6"/>
+                <a:blip r:embed="rId7"/>
                 <a:stretch>
                   <a:fillRect l="-500"/>
                 </a:stretch>
@@ -5626,7 +6046,7 @@
           <p:nvPr/>
         </p:nvPicPr>
         <p:blipFill>
-          <a:blip r:embed="rId7"/>
+          <a:blip r:embed="rId8"/>
           <a:stretch>
             <a:fillRect/>
           </a:stretch>
@@ -5650,7 +6070,7 @@
           <p:nvPr/>
         </p:nvPicPr>
         <p:blipFill>
-          <a:blip r:embed="rId8"/>
+          <a:blip r:embed="rId9"/>
           <a:stretch>
             <a:fillRect/>
           </a:stretch>
@@ -11686,7 +12106,7 @@
             <p:nvPr/>
           </p:nvPicPr>
           <p:blipFill>
-            <a:blip r:embed="rId2">
+            <a:blip r:embed="rId3">
               <a:extLst>
                 <a:ext uri="{28A0092B-C50C-407E-A947-70E740481C1C}">
                   <a14:useLocalDpi xmlns:a14="http://schemas.microsoft.com/office/drawing/2010/main" val="0"/>
@@ -11716,7 +12136,7 @@
             <p:nvPr/>
           </p:nvPicPr>
           <p:blipFill>
-            <a:blip r:embed="rId3"/>
+            <a:blip r:embed="rId4"/>
             <a:stretch>
               <a:fillRect/>
             </a:stretch>
@@ -11740,7 +12160,7 @@
             <p:nvPr/>
           </p:nvPicPr>
           <p:blipFill>
-            <a:blip r:embed="rId4">
+            <a:blip r:embed="rId5">
               <a:extLst>
                 <a:ext uri="{28A0092B-C50C-407E-A947-70E740481C1C}">
                   <a14:useLocalDpi xmlns:a14="http://schemas.microsoft.com/office/drawing/2010/main" val="0"/>
@@ -11849,7 +12269,7 @@
                 <a:latin typeface="Seravek Light" charset="0"/>
                 <a:ea typeface="Seravek Light" charset="0"/>
                 <a:cs typeface="Seravek Light" charset="0"/>
-                <a:hlinkClick r:id="rId5"/>
+                <a:hlinkClick r:id="rId6"/>
               </a:rPr>
               <a:t>http://cocoanlab.github.io</a:t>
             </a:r>
@@ -11870,7 +12290,7 @@
         <p:spPr>
           <a:xfrm>
             <a:off x="216491" y="222608"/>
-            <a:ext cx="6952544" cy="523220"/>
+            <a:ext cx="6437660" cy="523220"/>
           </a:xfrm>
           <a:prstGeom prst="rect">
             <a:avLst/>
@@ -11884,13 +12304,14 @@
           <a:p>
             <a:r>
               <a:rPr lang="en-US" altLang="ko-KR" sz="2800" dirty="0">
+                <a:latin typeface="Seravek" panose="020B0503040000020004" pitchFamily="34" charset="0"/>
                 <a:ea typeface="Seravek Light" charset="0"/>
                 <a:cs typeface="Seravek Light" charset="0"/>
               </a:rPr>
               <a:t>Shifting and combining random variables</a:t>
             </a:r>
             <a:endParaRPr lang="ko-KR" altLang="en-US" sz="2800" dirty="0">
-              <a:latin typeface="Seravek" charset="0"/>
+              <a:latin typeface="Seravek" panose="020B0503040000020004" pitchFamily="34" charset="0"/>
               <a:ea typeface="Seravek" charset="0"/>
               <a:cs typeface="Seravek" charset="0"/>
             </a:endParaRPr>
@@ -11935,8 +12356,8 @@
           </a:p>
         </p:txBody>
       </p:sp>
-      <mc:AlternateContent xmlns:mc="http://schemas.openxmlformats.org/markup-compatibility/2006" xmlns:a14="http://schemas.microsoft.com/office/drawing/2010/main">
-        <mc:Choice Requires="a14">
+      <mc:AlternateContent xmlns:mc="http://schemas.openxmlformats.org/markup-compatibility/2006">
+        <mc:Choice xmlns:a14="http://schemas.microsoft.com/office/drawing/2010/main" Requires="a14">
           <p:sp>
             <p:nvSpPr>
               <p:cNvPr id="21" name="텍스트 상자 20"/>
@@ -12682,7 +13103,7 @@
                   <a:buChar char="•"/>
                 </a:pPr>
                 <a:r>
-                  <a:rPr lang="en-US" altLang="ko-KR" sz="1600" dirty="0">
+                  <a:rPr lang="en-US" altLang="ko-KR" dirty="0">
                     <a:solidFill>
                       <a:schemeClr val="accent2"/>
                     </a:solidFill>
@@ -12695,7 +13116,7 @@
                 <a14:m>
                   <m:oMath xmlns:m="http://schemas.openxmlformats.org/officeDocument/2006/math">
                     <m:r>
-                      <a:rPr lang="en-US" altLang="ko-KR" sz="1600" i="1">
+                      <a:rPr lang="en-US" altLang="ko-KR" i="1">
                         <a:solidFill>
                           <a:schemeClr val="accent2"/>
                         </a:solidFill>
@@ -12708,7 +13129,7 @@
                     <m:d>
                       <m:dPr>
                         <m:ctrlPr>
-                          <a:rPr lang="en-US" altLang="ko-KR" sz="1600" i="1">
+                          <a:rPr lang="en-US" altLang="ko-KR" i="1">
                             <a:solidFill>
                               <a:schemeClr val="accent2"/>
                             </a:solidFill>
@@ -12720,7 +13141,7 @@
                       </m:dPr>
                       <m:e>
                         <m:r>
-                          <a:rPr lang="en-US" altLang="ko-KR" sz="1600" i="1">
+                          <a:rPr lang="en-US" altLang="ko-KR" i="1">
                             <a:solidFill>
                               <a:schemeClr val="accent2"/>
                             </a:solidFill>
@@ -12731,7 +13152,7 @@
                           <m:t>𝑋</m:t>
                         </m:r>
                         <m:r>
-                          <a:rPr lang="en-US" altLang="ko-KR" sz="1600" i="1">
+                          <a:rPr lang="en-US" altLang="ko-KR" i="1">
                             <a:solidFill>
                               <a:schemeClr val="accent2"/>
                             </a:solidFill>
@@ -12742,7 +13163,7 @@
                           <m:t>±</m:t>
                         </m:r>
                         <m:r>
-                          <a:rPr lang="en-US" altLang="ko-KR" sz="1600" i="1">
+                          <a:rPr lang="en-US" altLang="ko-KR" i="1">
                             <a:solidFill>
                               <a:schemeClr val="accent2"/>
                             </a:solidFill>
@@ -12755,7 +13176,7 @@
                       </m:e>
                     </m:d>
                     <m:r>
-                      <a:rPr lang="en-US" altLang="ko-KR" sz="1600" i="1">
+                      <a:rPr lang="en-US" altLang="ko-KR" i="1">
                         <a:solidFill>
                           <a:schemeClr val="accent2"/>
                         </a:solidFill>
@@ -12766,7 +13187,7 @@
                       <m:t>=</m:t>
                     </m:r>
                     <m:r>
-                      <a:rPr lang="en-US" altLang="ko-KR" sz="1600" i="1">
+                      <a:rPr lang="en-US" altLang="ko-KR" i="1">
                         <a:solidFill>
                           <a:schemeClr val="accent2"/>
                         </a:solidFill>
@@ -12779,7 +13200,7 @@
                     <m:d>
                       <m:dPr>
                         <m:ctrlPr>
-                          <a:rPr lang="en-US" altLang="ko-KR" sz="1600" i="1">
+                          <a:rPr lang="en-US" altLang="ko-KR" i="1">
                             <a:solidFill>
                               <a:schemeClr val="accent2"/>
                             </a:solidFill>
@@ -12791,7 +13212,7 @@
                       </m:dPr>
                       <m:e>
                         <m:r>
-                          <a:rPr lang="en-US" altLang="ko-KR" sz="1600" i="1">
+                          <a:rPr lang="en-US" altLang="ko-KR" i="1">
                             <a:solidFill>
                               <a:schemeClr val="accent2"/>
                             </a:solidFill>
@@ -12804,7 +13225,7 @@
                       </m:e>
                     </m:d>
                     <m:r>
-                      <a:rPr lang="en-US" altLang="ko-KR" sz="1600" i="1">
+                      <a:rPr lang="en-US" altLang="ko-KR" i="1">
                         <a:solidFill>
                           <a:schemeClr val="accent2"/>
                         </a:solidFill>
@@ -12815,7 +13236,7 @@
                       <m:t>+</m:t>
                     </m:r>
                     <m:r>
-                      <a:rPr lang="en-US" altLang="ko-KR" sz="1600" i="1">
+                      <a:rPr lang="en-US" altLang="ko-KR" i="1">
                         <a:solidFill>
                           <a:schemeClr val="accent2"/>
                         </a:solidFill>
@@ -12828,7 +13249,7 @@
                     <m:d>
                       <m:dPr>
                         <m:ctrlPr>
-                          <a:rPr lang="en-US" altLang="ko-KR" sz="1600" i="1">
+                          <a:rPr lang="en-US" altLang="ko-KR" i="1">
                             <a:solidFill>
                               <a:schemeClr val="accent2"/>
                             </a:solidFill>
@@ -12840,7 +13261,7 @@
                       </m:dPr>
                       <m:e>
                         <m:r>
-                          <a:rPr lang="en-US" altLang="ko-KR" sz="1600" i="1">
+                          <a:rPr lang="en-US" altLang="ko-KR" i="1">
                             <a:solidFill>
                               <a:schemeClr val="accent2"/>
                             </a:solidFill>
@@ -12853,7 +13274,7 @@
                       </m:e>
                     </m:d>
                     <m:r>
-                      <a:rPr lang="en-US" altLang="ko-KR" sz="1600" b="0" i="1" smtClean="0">
+                      <a:rPr lang="en-US" altLang="ko-KR" b="0" i="1" smtClean="0">
                         <a:solidFill>
                           <a:schemeClr val="accent2"/>
                         </a:solidFill>
@@ -12864,7 +13285,7 @@
                       <m:t>±2</m:t>
                     </m:r>
                     <m:r>
-                      <a:rPr lang="en-US" altLang="ko-KR" sz="1600" b="0" i="1" smtClean="0">
+                      <a:rPr lang="en-US" altLang="ko-KR" b="0" i="1" smtClean="0">
                         <a:solidFill>
                           <a:schemeClr val="accent2"/>
                         </a:solidFill>
@@ -12875,7 +13296,7 @@
                       <m:t>𝐶𝑜𝑣</m:t>
                     </m:r>
                     <m:r>
-                      <a:rPr lang="en-US" altLang="ko-KR" sz="1600" b="0" i="1" smtClean="0">
+                      <a:rPr lang="en-US" altLang="ko-KR" b="0" i="1" smtClean="0">
                         <a:solidFill>
                           <a:schemeClr val="accent2"/>
                         </a:solidFill>
@@ -12886,7 +13307,7 @@
                       <m:t>(</m:t>
                     </m:r>
                     <m:r>
-                      <a:rPr lang="en-US" altLang="ko-KR" sz="1600" b="0" i="1" smtClean="0">
+                      <a:rPr lang="en-US" altLang="ko-KR" b="0" i="1" smtClean="0">
                         <a:solidFill>
                           <a:schemeClr val="accent2"/>
                         </a:solidFill>
@@ -12897,7 +13318,7 @@
                       <m:t>𝑋</m:t>
                     </m:r>
                     <m:r>
-                      <a:rPr lang="en-US" altLang="ko-KR" sz="1600" b="0" i="1" smtClean="0">
+                      <a:rPr lang="en-US" altLang="ko-KR" b="0" i="1" smtClean="0">
                         <a:solidFill>
                           <a:schemeClr val="accent2"/>
                         </a:solidFill>
@@ -12908,7 +13329,7 @@
                       <m:t>,</m:t>
                     </m:r>
                     <m:r>
-                      <a:rPr lang="en-US" altLang="ko-KR" sz="1600" b="0" i="1" smtClean="0">
+                      <a:rPr lang="en-US" altLang="ko-KR" b="0" i="1" smtClean="0">
                         <a:solidFill>
                           <a:schemeClr val="accent2"/>
                         </a:solidFill>
@@ -12919,7 +13340,7 @@
                       <m:t>𝑌</m:t>
                     </m:r>
                     <m:r>
-                      <a:rPr lang="en-US" altLang="ko-KR" sz="1600" b="0" i="1" smtClean="0">
+                      <a:rPr lang="en-US" altLang="ko-KR" b="0" i="1" smtClean="0">
                         <a:solidFill>
                           <a:schemeClr val="accent2"/>
                         </a:solidFill>
@@ -12931,7 +13352,7 @@
                     </m:r>
                   </m:oMath>
                 </a14:m>
-                <a:endParaRPr lang="en-US" altLang="ko-KR" sz="1600" dirty="0">
+                <a:endParaRPr lang="en-US" altLang="ko-KR" dirty="0">
                   <a:solidFill>
                     <a:schemeClr val="accent2"/>
                   </a:solidFill>
@@ -12985,7 +13406,7 @@
             </p:txBody>
           </p:sp>
         </mc:Choice>
-        <mc:Fallback xmlns="">
+        <mc:Fallback>
           <p:sp>
             <p:nvSpPr>
               <p:cNvPr id="21" name="텍스트 상자 20"/>
@@ -13002,10 +13423,10 @@
               <a:prstGeom prst="rect">
                 <a:avLst/>
               </a:prstGeom>
-              <a:blipFill rotWithShape="0">
-                <a:blip r:embed="rId6"/>
+              <a:blipFill>
+                <a:blip r:embed="rId7"/>
                 <a:stretch>
-                  <a:fillRect l="-360"/>
+                  <a:fillRect l="-249"/>
                 </a:stretch>
               </a:blipFill>
             </p:spPr>
@@ -13063,7 +13484,7 @@
               <p:nvPr/>
             </p:nvPicPr>
             <p:blipFill rotWithShape="1">
-              <a:blip r:embed="rId7"/>
+              <a:blip r:embed="rId8"/>
               <a:srcRect b="46508"/>
               <a:stretch/>
             </p:blipFill>
@@ -13086,7 +13507,7 @@
               <p:nvPr/>
             </p:nvPicPr>
             <p:blipFill>
-              <a:blip r:embed="rId8"/>
+              <a:blip r:embed="rId9"/>
               <a:stretch>
                 <a:fillRect/>
               </a:stretch>
@@ -13233,7 +13654,7 @@
               <p:nvPr/>
             </p:nvPicPr>
             <p:blipFill>
-              <a:blip r:embed="rId9"/>
+              <a:blip r:embed="rId10"/>
               <a:stretch>
                 <a:fillRect/>
               </a:stretch>
@@ -13371,7 +13792,7 @@
               <p:nvPr/>
             </p:nvPicPr>
             <p:blipFill>
-              <a:blip r:embed="rId10"/>
+              <a:blip r:embed="rId11"/>
               <a:stretch>
                 <a:fillRect/>
               </a:stretch>
@@ -13401,7 +13822,7 @@
               <p:nvPr/>
             </p:nvPicPr>
             <p:blipFill>
-              <a:blip r:embed="rId11"/>
+              <a:blip r:embed="rId12"/>
               <a:stretch>
                 <a:fillRect/>
               </a:stretch>
@@ -13641,7 +14062,7 @@
                             </p:stCondLst>
                             <p:childTnLst>
                               <p:par>
-                                <p:cTn id="21" presetID="1" presetClass="entr" presetSubtype="0" fill="hold" grpId="0" nodeType="clickEffect">
+                                <p:cTn id="21" presetID="1" presetClass="entr" presetSubtype="0" fill="hold" nodeType="clickEffect">
                                   <p:stCondLst>
                                     <p:cond delay="0"/>
                                   </p:stCondLst>
@@ -13654,11 +14075,7 @@
                                           </p:stCondLst>
                                         </p:cTn>
                                         <p:tgtEl>
-                                          <p:spTgt spid="21">
-                                            <p:txEl>
-                                              <p:pRg st="3" end="3"/>
-                                            </p:txEl>
-                                          </p:spTgt>
+                                          <p:spTgt spid="16"/>
                                         </p:tgtEl>
                                         <p:attrNameLst>
                                           <p:attrName>style.visibility</p:attrName>
@@ -13698,6 +14115,55 @@
                                     <p:set>
                                       <p:cBhvr>
                                         <p:cTn id="26" dur="1" fill="hold">
+                                          <p:stCondLst>
+                                            <p:cond delay="0"/>
+                                          </p:stCondLst>
+                                        </p:cTn>
+                                        <p:tgtEl>
+                                          <p:spTgt spid="21">
+                                            <p:txEl>
+                                              <p:pRg st="3" end="3"/>
+                                            </p:txEl>
+                                          </p:spTgt>
+                                        </p:tgtEl>
+                                        <p:attrNameLst>
+                                          <p:attrName>style.visibility</p:attrName>
+                                        </p:attrNameLst>
+                                      </p:cBhvr>
+                                      <p:to>
+                                        <p:strVal val="visible"/>
+                                      </p:to>
+                                    </p:set>
+                                  </p:childTnLst>
+                                </p:cTn>
+                              </p:par>
+                            </p:childTnLst>
+                          </p:cTn>
+                        </p:par>
+                      </p:childTnLst>
+                    </p:cTn>
+                  </p:par>
+                  <p:par>
+                    <p:cTn id="27" fill="hold">
+                      <p:stCondLst>
+                        <p:cond delay="indefinite"/>
+                      </p:stCondLst>
+                      <p:childTnLst>
+                        <p:par>
+                          <p:cTn id="28" fill="hold">
+                            <p:stCondLst>
+                              <p:cond delay="0"/>
+                            </p:stCondLst>
+                            <p:childTnLst>
+                              <p:par>
+                                <p:cTn id="29" presetID="1" presetClass="entr" presetSubtype="0" fill="hold" grpId="0" nodeType="clickEffect">
+                                  <p:stCondLst>
+                                    <p:cond delay="0"/>
+                                  </p:stCondLst>
+                                  <p:childTnLst>
+                                    <p:set>
+                                      <p:cBhvr>
+                                        <p:cTn id="30" dur="1" fill="hold">
                                           <p:stCondLst>
                                             <p:cond delay="0"/>
                                           </p:stCondLst>
@@ -13794,7 +14260,7 @@
             <p:nvPr/>
           </p:nvPicPr>
           <p:blipFill>
-            <a:blip r:embed="rId2">
+            <a:blip r:embed="rId3">
               <a:extLst>
                 <a:ext uri="{28A0092B-C50C-407E-A947-70E740481C1C}">
                   <a14:useLocalDpi xmlns:a14="http://schemas.microsoft.com/office/drawing/2010/main" val="0"/>
@@ -13824,7 +14290,7 @@
             <p:nvPr/>
           </p:nvPicPr>
           <p:blipFill>
-            <a:blip r:embed="rId3"/>
+            <a:blip r:embed="rId4"/>
             <a:stretch>
               <a:fillRect/>
             </a:stretch>
@@ -13848,7 +14314,7 @@
             <p:nvPr/>
           </p:nvPicPr>
           <p:blipFill>
-            <a:blip r:embed="rId4">
+            <a:blip r:embed="rId5">
               <a:extLst>
                 <a:ext uri="{28A0092B-C50C-407E-A947-70E740481C1C}">
                   <a14:useLocalDpi xmlns:a14="http://schemas.microsoft.com/office/drawing/2010/main" val="0"/>
@@ -13957,7 +14423,7 @@
                 <a:latin typeface="Seravek Light" charset="0"/>
                 <a:ea typeface="Seravek Light" charset="0"/>
                 <a:cs typeface="Seravek Light" charset="0"/>
-                <a:hlinkClick r:id="rId5"/>
+                <a:hlinkClick r:id="rId6"/>
               </a:rPr>
               <a:t>http://cocoanlab.github.io</a:t>
             </a:r>
@@ -14151,7 +14617,7 @@
             <p:nvPr/>
           </p:nvPicPr>
           <p:blipFill>
-            <a:blip r:embed="rId6"/>
+            <a:blip r:embed="rId7"/>
             <a:stretch>
               <a:fillRect/>
             </a:stretch>
@@ -14175,7 +14641,7 @@
             <p:nvPr/>
           </p:nvPicPr>
           <p:blipFill>
-            <a:blip r:embed="rId7"/>
+            <a:blip r:embed="rId8"/>
             <a:stretch>
               <a:fillRect/>
             </a:stretch>
@@ -14402,7 +14868,7 @@
             <p:nvPr/>
           </p:nvPicPr>
           <p:blipFill>
-            <a:blip r:embed="rId2">
+            <a:blip r:embed="rId3">
               <a:extLst>
                 <a:ext uri="{28A0092B-C50C-407E-A947-70E740481C1C}">
                   <a14:useLocalDpi xmlns:a14="http://schemas.microsoft.com/office/drawing/2010/main" val="0"/>
@@ -14432,7 +14898,7 @@
             <p:nvPr/>
           </p:nvPicPr>
           <p:blipFill>
-            <a:blip r:embed="rId3"/>
+            <a:blip r:embed="rId4"/>
             <a:stretch>
               <a:fillRect/>
             </a:stretch>
@@ -14456,7 +14922,7 @@
             <p:nvPr/>
           </p:nvPicPr>
           <p:blipFill>
-            <a:blip r:embed="rId4">
+            <a:blip r:embed="rId5">
               <a:extLst>
                 <a:ext uri="{28A0092B-C50C-407E-A947-70E740481C1C}">
                   <a14:useLocalDpi xmlns:a14="http://schemas.microsoft.com/office/drawing/2010/main" val="0"/>
@@ -14565,7 +15031,7 @@
                 <a:latin typeface="Seravek Light" charset="0"/>
                 <a:ea typeface="Seravek Light" charset="0"/>
                 <a:cs typeface="Seravek Light" charset="0"/>
-                <a:hlinkClick r:id="rId5"/>
+                <a:hlinkClick r:id="rId6"/>
               </a:rPr>
               <a:t>http://cocoanlab.github.io</a:t>
             </a:r>
@@ -15876,7 +16342,7 @@
                 <a:avLst/>
               </a:prstGeom>
               <a:blipFill>
-                <a:blip r:embed="rId6"/>
+                <a:blip r:embed="rId7"/>
                 <a:stretch>
                   <a:fillRect l="-420"/>
                 </a:stretch>
@@ -16011,7 +16477,7 @@
             <p:nvPr/>
           </p:nvPicPr>
           <p:blipFill>
-            <a:blip r:embed="rId7"/>
+            <a:blip r:embed="rId8"/>
             <a:stretch>
               <a:fillRect/>
             </a:stretch>
@@ -16088,7 +16554,7 @@
             <p:nvPr/>
           </p:nvPicPr>
           <p:blipFill>
-            <a:blip r:embed="rId8"/>
+            <a:blip r:embed="rId9"/>
             <a:stretch>
               <a:fillRect/>
             </a:stretch>
@@ -16165,7 +16631,7 @@
             <p:nvPr/>
           </p:nvPicPr>
           <p:blipFill>
-            <a:blip r:embed="rId9"/>
+            <a:blip r:embed="rId10"/>
             <a:stretch>
               <a:fillRect/>
             </a:stretch>
@@ -16221,42 +16687,24 @@
       </p:grpSp>
       <p:grpSp>
         <p:nvGrpSpPr>
-          <p:cNvPr id="26" name="그룹 25"/>
+          <p:cNvPr id="15" name="그룹 14">
+            <a:extLst>
+              <a:ext uri="{FF2B5EF4-FFF2-40B4-BE49-F238E27FC236}">
+                <a16:creationId xmlns:a16="http://schemas.microsoft.com/office/drawing/2014/main" id="{C3134A79-6B53-F84B-8AEB-C3E88A860C78}"/>
+              </a:ext>
+            </a:extLst>
+          </p:cNvPr>
           <p:cNvGrpSpPr/>
           <p:nvPr/>
         </p:nvGrpSpPr>
         <p:grpSpPr>
           <a:xfrm>
-            <a:off x="7754623" y="3671476"/>
-            <a:ext cx="3460161" cy="2282756"/>
-            <a:chOff x="7754623" y="3671476"/>
-            <a:chExt cx="3460161" cy="2282756"/>
+            <a:off x="7754623" y="3702346"/>
+            <a:ext cx="3657277" cy="931631"/>
+            <a:chOff x="7754623" y="3702346"/>
+            <a:chExt cx="3657277" cy="931631"/>
           </a:xfrm>
         </p:grpSpPr>
-        <p:pic>
-          <p:nvPicPr>
-            <p:cNvPr id="3" name="그림 2"/>
-            <p:cNvPicPr>
-              <a:picLocks noChangeAspect="1"/>
-            </p:cNvPicPr>
-            <p:nvPr/>
-          </p:nvPicPr>
-          <p:blipFill>
-            <a:blip r:embed="rId10"/>
-            <a:stretch>
-              <a:fillRect/>
-            </a:stretch>
-          </p:blipFill>
-          <p:spPr>
-            <a:xfrm>
-              <a:off x="7959527" y="3671476"/>
-              <a:ext cx="3255257" cy="2282756"/>
-            </a:xfrm>
-            <a:prstGeom prst="rect">
-              <a:avLst/>
-            </a:prstGeom>
-          </p:spPr>
-        </p:pic>
         <p:sp>
           <p:nvSpPr>
             <p:cNvPr id="23" name="텍스트 상자 22"/>
@@ -16295,6 +16743,36 @@
             </a:p>
           </p:txBody>
         </p:sp>
+        <p:pic>
+          <p:nvPicPr>
+            <p:cNvPr id="14" name="그림 13">
+              <a:extLst>
+                <a:ext uri="{FF2B5EF4-FFF2-40B4-BE49-F238E27FC236}">
+                  <a16:creationId xmlns:a16="http://schemas.microsoft.com/office/drawing/2014/main" id="{C93EBC6A-0D2C-6047-A336-4FF787F0C571}"/>
+                </a:ext>
+              </a:extLst>
+            </p:cNvPr>
+            <p:cNvPicPr>
+              <a:picLocks noChangeAspect="1"/>
+            </p:cNvPicPr>
+            <p:nvPr/>
+          </p:nvPicPr>
+          <p:blipFill>
+            <a:blip r:embed="rId11"/>
+            <a:stretch>
+              <a:fillRect/>
+            </a:stretch>
+          </p:blipFill>
+          <p:spPr>
+            <a:xfrm>
+              <a:off x="7959527" y="3769195"/>
+              <a:ext cx="3452373" cy="864782"/>
+            </a:xfrm>
+            <a:prstGeom prst="rect">
+              <a:avLst/>
+            </a:prstGeom>
+          </p:spPr>
+        </p:pic>
       </p:grpSp>
     </p:spTree>
     <p:extLst>
@@ -16983,7 +17461,7 @@
                                           </p:stCondLst>
                                         </p:cTn>
                                         <p:tgtEl>
-                                          <p:spTgt spid="26"/>
+                                          <p:spTgt spid="15"/>
                                         </p:tgtEl>
                                         <p:attrNameLst>
                                           <p:attrName>style.visibility</p:attrName>
@@ -17072,7 +17550,7 @@
             <p:nvPr/>
           </p:nvPicPr>
           <p:blipFill>
-            <a:blip r:embed="rId2">
+            <a:blip r:embed="rId3">
               <a:extLst>
                 <a:ext uri="{28A0092B-C50C-407E-A947-70E740481C1C}">
                   <a14:useLocalDpi xmlns:a14="http://schemas.microsoft.com/office/drawing/2010/main" val="0"/>
@@ -17102,7 +17580,7 @@
             <p:nvPr/>
           </p:nvPicPr>
           <p:blipFill>
-            <a:blip r:embed="rId3"/>
+            <a:blip r:embed="rId4"/>
             <a:stretch>
               <a:fillRect/>
             </a:stretch>
@@ -17126,7 +17604,7 @@
             <p:nvPr/>
           </p:nvPicPr>
           <p:blipFill>
-            <a:blip r:embed="rId4">
+            <a:blip r:embed="rId5">
               <a:extLst>
                 <a:ext uri="{28A0092B-C50C-407E-A947-70E740481C1C}">
                   <a14:useLocalDpi xmlns:a14="http://schemas.microsoft.com/office/drawing/2010/main" val="0"/>
@@ -17235,7 +17713,7 @@
                 <a:latin typeface="Seravek Light" charset="0"/>
                 <a:ea typeface="Seravek Light" charset="0"/>
                 <a:cs typeface="Seravek Light" charset="0"/>
-                <a:hlinkClick r:id="rId5"/>
+                <a:hlinkClick r:id="rId6"/>
               </a:rPr>
               <a:t>http://cocoanlab.github.io</a:t>
             </a:r>
@@ -17646,7 +18124,7 @@
                 <a:avLst/>
               </a:prstGeom>
               <a:blipFill rotWithShape="0">
-                <a:blip r:embed="rId6"/>
+                <a:blip r:embed="rId7"/>
                 <a:stretch>
                   <a:fillRect/>
                 </a:stretch>
@@ -17696,7 +18174,7 @@
             <p:nvPr/>
           </p:nvPicPr>
           <p:blipFill>
-            <a:blip r:embed="rId7"/>
+            <a:blip r:embed="rId8"/>
             <a:stretch>
               <a:fillRect/>
             </a:stretch>
@@ -17868,6 +18346,51 @@
                                               <p:pRg st="2" end="2"/>
                                             </p:txEl>
                                           </p:spTgt>
+                                        </p:tgtEl>
+                                        <p:attrNameLst>
+                                          <p:attrName>style.visibility</p:attrName>
+                                        </p:attrNameLst>
+                                      </p:cBhvr>
+                                      <p:to>
+                                        <p:strVal val="visible"/>
+                                      </p:to>
+                                    </p:set>
+                                  </p:childTnLst>
+                                </p:cTn>
+                              </p:par>
+                            </p:childTnLst>
+                          </p:cTn>
+                        </p:par>
+                      </p:childTnLst>
+                    </p:cTn>
+                  </p:par>
+                  <p:par>
+                    <p:cTn id="11" fill="hold">
+                      <p:stCondLst>
+                        <p:cond delay="indefinite"/>
+                      </p:stCondLst>
+                      <p:childTnLst>
+                        <p:par>
+                          <p:cTn id="12" fill="hold">
+                            <p:stCondLst>
+                              <p:cond delay="0"/>
+                            </p:stCondLst>
+                            <p:childTnLst>
+                              <p:par>
+                                <p:cTn id="13" presetID="1" presetClass="entr" presetSubtype="0" fill="hold" nodeType="clickEffect">
+                                  <p:stCondLst>
+                                    <p:cond delay="0"/>
+                                  </p:stCondLst>
+                                  <p:childTnLst>
+                                    <p:set>
+                                      <p:cBhvr>
+                                        <p:cTn id="14" dur="1" fill="hold">
+                                          <p:stCondLst>
+                                            <p:cond delay="0"/>
+                                          </p:stCondLst>
+                                        </p:cTn>
+                                        <p:tgtEl>
+                                          <p:spTgt spid="4"/>
                                         </p:tgtEl>
                                         <p:attrNameLst>
                                           <p:attrName>style.visibility</p:attrName>

--- a/slides/Woo_GBE3037_L11.pptx
+++ b/slides/Woo_GBE3037_L11.pptx
@@ -206,7 +206,7 @@
           <a:p>
             <a:fld id="{65F32F1C-A509-984F-9E5B-E228248344CD}" type="datetimeFigureOut">
               <a:rPr kumimoji="1" lang="ko-KR" altLang="en-US" smtClean="0"/>
-              <a:t>2019. 4. 3.</a:t>
+              <a:t>2019. 4. 8.</a:t>
             </a:fld>
             <a:endParaRPr kumimoji="1" lang="ko-KR" altLang="en-US"/>
           </a:p>
@@ -1442,7 +1442,7 @@
           <a:p>
             <a:fld id="{D1CBEE32-551C-D044-9ECF-F871403689A5}" type="datetimeFigureOut">
               <a:rPr kumimoji="1" lang="ko-KR" altLang="en-US" smtClean="0"/>
-              <a:t>2019. 4. 3.</a:t>
+              <a:t>2019. 4. 8.</a:t>
             </a:fld>
             <a:endParaRPr kumimoji="1" lang="ko-KR" altLang="en-US"/>
           </a:p>
@@ -1610,7 +1610,7 @@
           <a:p>
             <a:fld id="{D1CBEE32-551C-D044-9ECF-F871403689A5}" type="datetimeFigureOut">
               <a:rPr kumimoji="1" lang="ko-KR" altLang="en-US" smtClean="0"/>
-              <a:t>2019. 4. 3.</a:t>
+              <a:t>2019. 4. 8.</a:t>
             </a:fld>
             <a:endParaRPr kumimoji="1" lang="ko-KR" altLang="en-US"/>
           </a:p>
@@ -1788,7 +1788,7 @@
           <a:p>
             <a:fld id="{D1CBEE32-551C-D044-9ECF-F871403689A5}" type="datetimeFigureOut">
               <a:rPr kumimoji="1" lang="ko-KR" altLang="en-US" smtClean="0"/>
-              <a:t>2019. 4. 3.</a:t>
+              <a:t>2019. 4. 8.</a:t>
             </a:fld>
             <a:endParaRPr kumimoji="1" lang="ko-KR" altLang="en-US"/>
           </a:p>
@@ -1956,7 +1956,7 @@
           <a:p>
             <a:fld id="{D1CBEE32-551C-D044-9ECF-F871403689A5}" type="datetimeFigureOut">
               <a:rPr kumimoji="1" lang="ko-KR" altLang="en-US" smtClean="0"/>
-              <a:t>2019. 4. 3.</a:t>
+              <a:t>2019. 4. 8.</a:t>
             </a:fld>
             <a:endParaRPr kumimoji="1" lang="ko-KR" altLang="en-US"/>
           </a:p>
@@ -2201,7 +2201,7 @@
           <a:p>
             <a:fld id="{D1CBEE32-551C-D044-9ECF-F871403689A5}" type="datetimeFigureOut">
               <a:rPr kumimoji="1" lang="ko-KR" altLang="en-US" smtClean="0"/>
-              <a:t>2019. 4. 3.</a:t>
+              <a:t>2019. 4. 8.</a:t>
             </a:fld>
             <a:endParaRPr kumimoji="1" lang="ko-KR" altLang="en-US"/>
           </a:p>
@@ -2430,7 +2430,7 @@
           <a:p>
             <a:fld id="{D1CBEE32-551C-D044-9ECF-F871403689A5}" type="datetimeFigureOut">
               <a:rPr kumimoji="1" lang="ko-KR" altLang="en-US" smtClean="0"/>
-              <a:t>2019. 4. 3.</a:t>
+              <a:t>2019. 4. 8.</a:t>
             </a:fld>
             <a:endParaRPr kumimoji="1" lang="ko-KR" altLang="en-US"/>
           </a:p>
@@ -2794,7 +2794,7 @@
           <a:p>
             <a:fld id="{D1CBEE32-551C-D044-9ECF-F871403689A5}" type="datetimeFigureOut">
               <a:rPr kumimoji="1" lang="ko-KR" altLang="en-US" smtClean="0"/>
-              <a:t>2019. 4. 3.</a:t>
+              <a:t>2019. 4. 8.</a:t>
             </a:fld>
             <a:endParaRPr kumimoji="1" lang="ko-KR" altLang="en-US"/>
           </a:p>
@@ -2911,7 +2911,7 @@
           <a:p>
             <a:fld id="{D1CBEE32-551C-D044-9ECF-F871403689A5}" type="datetimeFigureOut">
               <a:rPr kumimoji="1" lang="ko-KR" altLang="en-US" smtClean="0"/>
-              <a:t>2019. 4. 3.</a:t>
+              <a:t>2019. 4. 8.</a:t>
             </a:fld>
             <a:endParaRPr kumimoji="1" lang="ko-KR" altLang="en-US"/>
           </a:p>
@@ -3006,7 +3006,7 @@
           <a:p>
             <a:fld id="{D1CBEE32-551C-D044-9ECF-F871403689A5}" type="datetimeFigureOut">
               <a:rPr kumimoji="1" lang="ko-KR" altLang="en-US" smtClean="0"/>
-              <a:t>2019. 4. 3.</a:t>
+              <a:t>2019. 4. 8.</a:t>
             </a:fld>
             <a:endParaRPr kumimoji="1" lang="ko-KR" altLang="en-US"/>
           </a:p>
@@ -3281,7 +3281,7 @@
           <a:p>
             <a:fld id="{D1CBEE32-551C-D044-9ECF-F871403689A5}" type="datetimeFigureOut">
               <a:rPr kumimoji="1" lang="ko-KR" altLang="en-US" smtClean="0"/>
-              <a:t>2019. 4. 3.</a:t>
+              <a:t>2019. 4. 8.</a:t>
             </a:fld>
             <a:endParaRPr kumimoji="1" lang="ko-KR" altLang="en-US"/>
           </a:p>
@@ -3533,7 +3533,7 @@
           <a:p>
             <a:fld id="{D1CBEE32-551C-D044-9ECF-F871403689A5}" type="datetimeFigureOut">
               <a:rPr kumimoji="1" lang="ko-KR" altLang="en-US" smtClean="0"/>
-              <a:t>2019. 4. 3.</a:t>
+              <a:t>2019. 4. 8.</a:t>
             </a:fld>
             <a:endParaRPr kumimoji="1" lang="ko-KR" altLang="en-US"/>
           </a:p>
@@ -3744,7 +3744,7 @@
           <a:p>
             <a:fld id="{D1CBEE32-551C-D044-9ECF-F871403689A5}" type="datetimeFigureOut">
               <a:rPr kumimoji="1" lang="ko-KR" altLang="en-US" smtClean="0"/>
-              <a:t>2019. 4. 3.</a:t>
+              <a:t>2019. 4. 8.</a:t>
             </a:fld>
             <a:endParaRPr kumimoji="1" lang="ko-KR" altLang="en-US"/>
           </a:p>
@@ -12356,8 +12356,8 @@
           </a:p>
         </p:txBody>
       </p:sp>
-      <mc:AlternateContent xmlns:mc="http://schemas.openxmlformats.org/markup-compatibility/2006">
-        <mc:Choice xmlns:a14="http://schemas.microsoft.com/office/drawing/2010/main" Requires="a14">
+      <mc:AlternateContent xmlns:mc="http://schemas.openxmlformats.org/markup-compatibility/2006" xmlns:a14="http://schemas.microsoft.com/office/drawing/2010/main">
+        <mc:Choice Requires="a14">
           <p:sp>
             <p:nvSpPr>
               <p:cNvPr id="21" name="텍스트 상자 20"/>
@@ -13406,7 +13406,7 @@
             </p:txBody>
           </p:sp>
         </mc:Choice>
-        <mc:Fallback>
+        <mc:Fallback xmlns="">
           <p:sp>
             <p:nvSpPr>
               <p:cNvPr id="21" name="텍스트 상자 20"/>
@@ -14596,7 +14596,13 @@
       </p:sp>
       <p:grpSp>
         <p:nvGrpSpPr>
-          <p:cNvPr id="16" name="그룹 15"/>
+          <p:cNvPr id="3" name="그룹 2">
+            <a:extLst>
+              <a:ext uri="{FF2B5EF4-FFF2-40B4-BE49-F238E27FC236}">
+                <a16:creationId xmlns:a16="http://schemas.microsoft.com/office/drawing/2014/main" id="{B59029BF-5D5F-844F-AA3F-8A1D5ADF4D0F}"/>
+              </a:ext>
+            </a:extLst>
+          </p:cNvPr>
           <p:cNvGrpSpPr/>
           <p:nvPr/>
         </p:nvGrpSpPr>
@@ -14608,48 +14614,106 @@
             <a:chExt cx="6010031" cy="730942"/>
           </a:xfrm>
         </p:grpSpPr>
+        <p:grpSp>
+          <p:nvGrpSpPr>
+            <p:cNvPr id="16" name="그룹 15"/>
+            <p:cNvGrpSpPr/>
+            <p:nvPr/>
+          </p:nvGrpSpPr>
+          <p:grpSpPr>
+            <a:xfrm>
+              <a:off x="1697751" y="1514942"/>
+              <a:ext cx="6010031" cy="730942"/>
+              <a:chOff x="1697751" y="1514942"/>
+              <a:chExt cx="6010031" cy="730942"/>
+            </a:xfrm>
+          </p:grpSpPr>
+          <p:pic>
+            <p:nvPicPr>
+              <p:cNvPr id="14" name="그림 13"/>
+              <p:cNvPicPr>
+                <a:picLocks noChangeAspect="1"/>
+              </p:cNvPicPr>
+              <p:nvPr/>
+            </p:nvPicPr>
+            <p:blipFill>
+              <a:blip r:embed="rId7"/>
+              <a:stretch>
+                <a:fillRect/>
+              </a:stretch>
+            </p:blipFill>
+            <p:spPr>
+              <a:xfrm>
+                <a:off x="1697751" y="1569684"/>
+                <a:ext cx="1146357" cy="601138"/>
+              </a:xfrm>
+              <a:prstGeom prst="rect">
+                <a:avLst/>
+              </a:prstGeom>
+            </p:spPr>
+          </p:pic>
+          <p:pic>
+            <p:nvPicPr>
+              <p:cNvPr id="15" name="그림 14"/>
+              <p:cNvPicPr>
+                <a:picLocks noChangeAspect="1"/>
+              </p:cNvPicPr>
+              <p:nvPr/>
+            </p:nvPicPr>
+            <p:blipFill>
+              <a:blip r:embed="rId8"/>
+              <a:stretch>
+                <a:fillRect/>
+              </a:stretch>
+            </p:blipFill>
+            <p:spPr>
+              <a:xfrm>
+                <a:off x="3147338" y="1514942"/>
+                <a:ext cx="4560444" cy="730942"/>
+              </a:xfrm>
+              <a:prstGeom prst="rect">
+                <a:avLst/>
+              </a:prstGeom>
+            </p:spPr>
+          </p:pic>
+        </p:grpSp>
         <p:pic>
           <p:nvPicPr>
-            <p:cNvPr id="14" name="그림 13"/>
+            <p:cNvPr id="17" name="그림 16">
+              <a:extLst>
+                <a:ext uri="{FF2B5EF4-FFF2-40B4-BE49-F238E27FC236}">
+                  <a16:creationId xmlns:a16="http://schemas.microsoft.com/office/drawing/2014/main" id="{F56FD6E8-B332-EC4C-88D5-539383A2FDD5}"/>
+                </a:ext>
+              </a:extLst>
+            </p:cNvPr>
             <p:cNvPicPr>
               <a:picLocks noChangeAspect="1"/>
             </p:cNvPicPr>
             <p:nvPr/>
           </p:nvPicPr>
           <p:blipFill>
-            <a:blip r:embed="rId7"/>
+            <a:blip r:embed="rId9">
+              <a:biLevel thresh="50000"/>
+              <a:extLst>
+                <a:ext uri="{BEBA8EAE-BF5A-486C-A8C5-ECC9F3942E4B}">
+                  <a14:imgProps xmlns:a14="http://schemas.microsoft.com/office/drawing/2010/main">
+                    <a14:imgLayer r:embed="rId10">
+                      <a14:imgEffect>
+                        <a14:saturation sat="0"/>
+                      </a14:imgEffect>
+                    </a14:imgLayer>
+                  </a14:imgProps>
+                </a:ext>
+              </a:extLst>
+            </a:blip>
             <a:stretch>
               <a:fillRect/>
             </a:stretch>
           </p:blipFill>
           <p:spPr>
             <a:xfrm>
-              <a:off x="1697751" y="1569684"/>
-              <a:ext cx="1146357" cy="601138"/>
-            </a:xfrm>
-            <a:prstGeom prst="rect">
-              <a:avLst/>
-            </a:prstGeom>
-          </p:spPr>
-        </p:pic>
-        <p:pic>
-          <p:nvPicPr>
-            <p:cNvPr id="15" name="그림 14"/>
-            <p:cNvPicPr>
-              <a:picLocks noChangeAspect="1"/>
-            </p:cNvPicPr>
-            <p:nvPr/>
-          </p:nvPicPr>
-          <p:blipFill>
-            <a:blip r:embed="rId8"/>
-            <a:stretch>
-              <a:fillRect/>
-            </a:stretch>
-          </p:blipFill>
-          <p:spPr>
-            <a:xfrm>
-              <a:off x="3147338" y="1514942"/>
-              <a:ext cx="4560444" cy="730942"/>
+              <a:off x="3291840" y="1552608"/>
+              <a:ext cx="2444328" cy="692384"/>
             </a:xfrm>
             <a:prstGeom prst="rect">
               <a:avLst/>
@@ -14718,21 +14782,39 @@
                                   </p:childTnLst>
                                 </p:cTn>
                               </p:par>
+                            </p:childTnLst>
+                          </p:cTn>
+                        </p:par>
+                      </p:childTnLst>
+                    </p:cTn>
+                  </p:par>
+                  <p:par>
+                    <p:cTn id="7" fill="hold">
+                      <p:stCondLst>
+                        <p:cond delay="indefinite"/>
+                      </p:stCondLst>
+                      <p:childTnLst>
+                        <p:par>
+                          <p:cTn id="8" fill="hold">
+                            <p:stCondLst>
+                              <p:cond delay="0"/>
+                            </p:stCondLst>
+                            <p:childTnLst>
                               <p:par>
-                                <p:cTn id="7" presetID="1" presetClass="entr" presetSubtype="0" fill="hold" nodeType="withEffect">
+                                <p:cTn id="9" presetID="1" presetClass="entr" presetSubtype="0" fill="hold" nodeType="clickEffect">
                                   <p:stCondLst>
                                     <p:cond delay="0"/>
                                   </p:stCondLst>
                                   <p:childTnLst>
                                     <p:set>
                                       <p:cBhvr>
-                                        <p:cTn id="8" dur="1" fill="hold">
+                                        <p:cTn id="10" dur="1" fill="hold">
                                           <p:stCondLst>
                                             <p:cond delay="0"/>
                                           </p:stCondLst>
                                         </p:cTn>
                                         <p:tgtEl>
-                                          <p:spTgt spid="16"/>
+                                          <p:spTgt spid="3"/>
                                         </p:tgtEl>
                                         <p:attrNameLst>
                                           <p:attrName>style.visibility</p:attrName>
@@ -14752,26 +14834,26 @@
                     </p:cTn>
                   </p:par>
                   <p:par>
-                    <p:cTn id="9" fill="hold">
+                    <p:cTn id="11" fill="hold">
                       <p:stCondLst>
                         <p:cond delay="indefinite"/>
                       </p:stCondLst>
                       <p:childTnLst>
                         <p:par>
-                          <p:cTn id="10" fill="hold">
+                          <p:cTn id="12" fill="hold">
                             <p:stCondLst>
                               <p:cond delay="0"/>
                             </p:stCondLst>
                             <p:childTnLst>
                               <p:par>
-                                <p:cTn id="11" presetID="1" presetClass="entr" presetSubtype="0" fill="hold" grpId="0" nodeType="clickEffect">
+                                <p:cTn id="13" presetID="1" presetClass="entr" presetSubtype="0" fill="hold" grpId="0" nodeType="clickEffect">
                                   <p:stCondLst>
                                     <p:cond delay="0"/>
                                   </p:stCondLst>
                                   <p:childTnLst>
                                     <p:set>
                                       <p:cBhvr>
-                                        <p:cTn id="12" dur="1" fill="hold">
+                                        <p:cTn id="14" dur="1" fill="hold">
                                           <p:stCondLst>
                                             <p:cond delay="0"/>
                                           </p:stCondLst>
